--- a/units/unit02_fsm/fsm.pptx
+++ b/units/unit02_fsm/fsm.pptx
@@ -5,7 +5,7 @@
     <p:sldMasterId id="2147483648" r:id="rId1"/>
   </p:sldMasterIdLst>
   <p:notesMasterIdLst>
-    <p:notesMasterId r:id="rId44"/>
+    <p:notesMasterId r:id="rId43"/>
   </p:notesMasterIdLst>
   <p:sldIdLst>
     <p:sldId id="258" r:id="rId2"/>
@@ -28,28 +28,27 @@
     <p:sldId id="352" r:id="rId19"/>
     <p:sldId id="354" r:id="rId20"/>
     <p:sldId id="353" r:id="rId21"/>
-    <p:sldId id="367" r:id="rId22"/>
-    <p:sldId id="358" r:id="rId23"/>
-    <p:sldId id="382" r:id="rId24"/>
-    <p:sldId id="368" r:id="rId25"/>
-    <p:sldId id="303" r:id="rId26"/>
-    <p:sldId id="308" r:id="rId27"/>
-    <p:sldId id="309" r:id="rId28"/>
-    <p:sldId id="346" r:id="rId29"/>
-    <p:sldId id="312" r:id="rId30"/>
-    <p:sldId id="348" r:id="rId31"/>
-    <p:sldId id="320" r:id="rId32"/>
-    <p:sldId id="349" r:id="rId33"/>
-    <p:sldId id="351" r:id="rId34"/>
-    <p:sldId id="383" r:id="rId35"/>
-    <p:sldId id="341" r:id="rId36"/>
-    <p:sldId id="377" r:id="rId37"/>
-    <p:sldId id="370" r:id="rId38"/>
-    <p:sldId id="371" r:id="rId39"/>
-    <p:sldId id="330" r:id="rId40"/>
-    <p:sldId id="329" r:id="rId41"/>
-    <p:sldId id="381" r:id="rId42"/>
-    <p:sldId id="331" r:id="rId43"/>
+    <p:sldId id="358" r:id="rId22"/>
+    <p:sldId id="382" r:id="rId23"/>
+    <p:sldId id="368" r:id="rId24"/>
+    <p:sldId id="303" r:id="rId25"/>
+    <p:sldId id="308" r:id="rId26"/>
+    <p:sldId id="309" r:id="rId27"/>
+    <p:sldId id="346" r:id="rId28"/>
+    <p:sldId id="312" r:id="rId29"/>
+    <p:sldId id="348" r:id="rId30"/>
+    <p:sldId id="320" r:id="rId31"/>
+    <p:sldId id="349" r:id="rId32"/>
+    <p:sldId id="351" r:id="rId33"/>
+    <p:sldId id="383" r:id="rId34"/>
+    <p:sldId id="341" r:id="rId35"/>
+    <p:sldId id="377" r:id="rId36"/>
+    <p:sldId id="370" r:id="rId37"/>
+    <p:sldId id="371" r:id="rId38"/>
+    <p:sldId id="330" r:id="rId39"/>
+    <p:sldId id="329" r:id="rId40"/>
+    <p:sldId id="381" r:id="rId41"/>
+    <p:sldId id="331" r:id="rId42"/>
   </p:sldIdLst>
   <p:sldSz cx="12192000" cy="6858000"/>
   <p:notesSz cx="7315200" cy="9601200"/>
@@ -6470,8 +6469,8 @@
         </p:nvSpPr>
         <p:spPr>
           <a:xfrm>
-            <a:off x="6389371" y="2307269"/>
-            <a:ext cx="1123962" cy="400110"/>
+            <a:off x="6381679" y="1785862"/>
+            <a:ext cx="1123962" cy="707886"/>
           </a:xfrm>
           <a:prstGeom prst="rect">
             <a:avLst/>
@@ -6493,6 +6492,25 @@
                 </a:solidFill>
               </a:rPr>
               <a:t>Registers</a:t>
+            </a:r>
+            <a:br>
+              <a:rPr lang="en-US" sz="2000" dirty="0">
+                <a:solidFill>
+                  <a:schemeClr val="accent5">
+                    <a:lumMod val="75000"/>
+                  </a:schemeClr>
+                </a:solidFill>
+              </a:rPr>
+            </a:br>
+            <a:r>
+              <a:rPr lang="en-US" sz="2000" dirty="0">
+                <a:solidFill>
+                  <a:schemeClr val="accent5">
+                    <a:lumMod val="75000"/>
+                  </a:schemeClr>
+                </a:solidFill>
+              </a:rPr>
+              <a:t>(clocked)</a:t>
             </a:r>
             <a:endParaRPr lang="en-US" dirty="0">
               <a:solidFill>
@@ -6519,7 +6537,7 @@
         <p:spPr>
           <a:xfrm>
             <a:off x="7884075" y="3949681"/>
-            <a:ext cx="2248564" cy="400110"/>
+            <a:ext cx="2248564" cy="707886"/>
           </a:xfrm>
           <a:prstGeom prst="rect">
             <a:avLst/>
@@ -6532,6 +6550,7 @@
           </a:bodyPr>
           <a:lstStyle/>
           <a:p>
+            <a:pPr algn="ctr"/>
             <a:r>
               <a:rPr lang="en-US" sz="2000" dirty="0">
                 <a:solidFill>
@@ -6543,6 +6562,27 @@
               </a:rPr>
               <a:t>Combinational logic</a:t>
             </a:r>
+            <a:br>
+              <a:rPr lang="en-US" sz="2000" dirty="0">
+                <a:solidFill>
+                  <a:schemeClr val="accent1">
+                    <a:lumMod val="60000"/>
+                    <a:lumOff val="40000"/>
+                  </a:schemeClr>
+                </a:solidFill>
+              </a:rPr>
+            </a:br>
+            <a:r>
+              <a:rPr lang="en-US" sz="2000" dirty="0">
+                <a:solidFill>
+                  <a:schemeClr val="accent1">
+                    <a:lumMod val="60000"/>
+                    <a:lumOff val="40000"/>
+                  </a:schemeClr>
+                </a:solidFill>
+              </a:rPr>
+              <a:t>(no clock)</a:t>
+            </a:r>
             <a:endParaRPr lang="en-US" sz="1600" dirty="0">
               <a:solidFill>
                 <a:schemeClr val="accent1">
@@ -6551,6 +6591,80 @@
                 </a:schemeClr>
               </a:solidFill>
             </a:endParaRPr>
+          </a:p>
+        </p:txBody>
+      </p:sp>
+      <p:cxnSp>
+        <p:nvCxnSpPr>
+          <p:cNvPr id="12" name="Straight Arrow Connector 11">
+            <a:extLst>
+              <a:ext uri="{FF2B5EF4-FFF2-40B4-BE49-F238E27FC236}">
+                <a16:creationId xmlns:a16="http://schemas.microsoft.com/office/drawing/2014/main" id="{FD84174A-DAD1-C6E4-5372-422431598D46}"/>
+              </a:ext>
+            </a:extLst>
+          </p:cNvPr>
+          <p:cNvCxnSpPr/>
+          <p:nvPr/>
+        </p:nvCxnSpPr>
+        <p:spPr>
+          <a:xfrm>
+            <a:off x="6088308" y="2936154"/>
+            <a:ext cx="586742" cy="0"/>
+          </a:xfrm>
+          <a:prstGeom prst="straightConnector1">
+            <a:avLst/>
+          </a:prstGeom>
+          <a:ln>
+            <a:tailEnd type="triangle"/>
+          </a:ln>
+        </p:spPr>
+        <p:style>
+          <a:lnRef idx="1">
+            <a:schemeClr val="accent1"/>
+          </a:lnRef>
+          <a:fillRef idx="0">
+            <a:schemeClr val="accent1"/>
+          </a:fillRef>
+          <a:effectRef idx="0">
+            <a:schemeClr val="accent1"/>
+          </a:effectRef>
+          <a:fontRef idx="minor">
+            <a:schemeClr val="tx1"/>
+          </a:fontRef>
+        </p:style>
+      </p:cxnSp>
+      <p:sp>
+        <p:nvSpPr>
+          <p:cNvPr id="13" name="TextBox 12">
+            <a:extLst>
+              <a:ext uri="{FF2B5EF4-FFF2-40B4-BE49-F238E27FC236}">
+                <a16:creationId xmlns:a16="http://schemas.microsoft.com/office/drawing/2014/main" id="{E32F3A1B-4EF8-AA8E-A419-FE3D5C19E855}"/>
+              </a:ext>
+            </a:extLst>
+          </p:cNvPr>
+          <p:cNvSpPr txBox="1"/>
+          <p:nvPr/>
+        </p:nvSpPr>
+        <p:spPr>
+          <a:xfrm>
+            <a:off x="5899264" y="2535121"/>
+            <a:ext cx="684803" cy="369332"/>
+          </a:xfrm>
+          <a:prstGeom prst="rect">
+            <a:avLst/>
+          </a:prstGeom>
+          <a:noFill/>
+        </p:spPr>
+        <p:txBody>
+          <a:bodyPr wrap="none" rtlCol="0">
+            <a:spAutoFit/>
+          </a:bodyPr>
+          <a:lstStyle/>
+          <a:p>
+            <a:r>
+              <a:rPr lang="en-US" dirty="0"/>
+              <a:t>Clock</a:t>
+            </a:r>
           </a:p>
         </p:txBody>
       </p:sp>
@@ -8898,10 +9012,10 @@
       </p:sp>
       <p:pic>
         <p:nvPicPr>
-          <p:cNvPr id="6" name="Picture 5">
+          <p:cNvPr id="5" name="Picture 4">
             <a:extLst>
               <a:ext uri="{FF2B5EF4-FFF2-40B4-BE49-F238E27FC236}">
-                <a16:creationId xmlns:a16="http://schemas.microsoft.com/office/drawing/2014/main" id="{A81E4A70-60F6-8312-FA54-9FB170582DAB}"/>
+                <a16:creationId xmlns:a16="http://schemas.microsoft.com/office/drawing/2014/main" id="{594FDC83-7A6C-5FF1-68FA-49EFD463C16A}"/>
               </a:ext>
             </a:extLst>
           </p:cNvPr>
@@ -8918,8 +9032,8 @@
         </p:blipFill>
         <p:spPr>
           <a:xfrm>
-            <a:off x="1185498" y="1623529"/>
-            <a:ext cx="10791092" cy="3059614"/>
+            <a:off x="1175951" y="1731803"/>
+            <a:ext cx="8324579" cy="3424397"/>
           </a:xfrm>
           <a:prstGeom prst="rect">
             <a:avLst/>
@@ -9060,36 +9174,6 @@
       </p:sp>
       <p:pic>
         <p:nvPicPr>
-          <p:cNvPr id="6" name="Picture 5">
-            <a:extLst>
-              <a:ext uri="{FF2B5EF4-FFF2-40B4-BE49-F238E27FC236}">
-                <a16:creationId xmlns:a16="http://schemas.microsoft.com/office/drawing/2014/main" id="{118F3A83-5F5E-262A-F620-05302C196843}"/>
-              </a:ext>
-            </a:extLst>
-          </p:cNvPr>
-          <p:cNvPicPr>
-            <a:picLocks noChangeAspect="1"/>
-          </p:cNvPicPr>
-          <p:nvPr/>
-        </p:nvPicPr>
-        <p:blipFill>
-          <a:blip r:embed="rId2"/>
-          <a:stretch>
-            <a:fillRect/>
-          </a:stretch>
-        </p:blipFill>
-        <p:spPr>
-          <a:xfrm>
-            <a:off x="5589254" y="1557075"/>
-            <a:ext cx="5734345" cy="4219792"/>
-          </a:xfrm>
-          <a:prstGeom prst="rect">
-            <a:avLst/>
-          </a:prstGeom>
-        </p:spPr>
-      </p:pic>
-      <p:pic>
-        <p:nvPicPr>
           <p:cNvPr id="8" name="Picture 7">
             <a:extLst>
               <a:ext uri="{FF2B5EF4-FFF2-40B4-BE49-F238E27FC236}">
@@ -9103,7 +9187,7 @@
           <p:nvPr/>
         </p:nvPicPr>
         <p:blipFill>
-          <a:blip r:embed="rId3"/>
+          <a:blip r:embed="rId2"/>
           <a:stretch>
             <a:fillRect/>
           </a:stretch>
@@ -9205,6 +9289,36 @@
           </a:fontRef>
         </p:style>
       </p:cxnSp>
+      <p:pic>
+        <p:nvPicPr>
+          <p:cNvPr id="7" name="Picture 6">
+            <a:extLst>
+              <a:ext uri="{FF2B5EF4-FFF2-40B4-BE49-F238E27FC236}">
+                <a16:creationId xmlns:a16="http://schemas.microsoft.com/office/drawing/2014/main" id="{87DCED94-7B34-EF93-A133-33FE1ADCBC9A}"/>
+              </a:ext>
+            </a:extLst>
+          </p:cNvPr>
+          <p:cNvPicPr>
+            <a:picLocks noChangeAspect="1"/>
+          </p:cNvPicPr>
+          <p:nvPr/>
+        </p:nvPicPr>
+        <p:blipFill>
+          <a:blip r:embed="rId3"/>
+          <a:stretch>
+            <a:fillRect/>
+          </a:stretch>
+        </p:blipFill>
+        <p:spPr>
+          <a:xfrm>
+            <a:off x="6126480" y="1732342"/>
+            <a:ext cx="4847265" cy="3969474"/>
+          </a:xfrm>
+          <a:prstGeom prst="rect">
+            <a:avLst/>
+          </a:prstGeom>
+        </p:spPr>
+      </p:pic>
     </p:spTree>
     <p:extLst>
       <p:ext uri="{BB962C8B-B14F-4D97-AF65-F5344CB8AC3E}">
@@ -11276,129 +11390,6 @@
   <p:cSld>
     <p:spTree>
       <p:nvGrpSpPr>
-        <p:cNvPr id="1" name="">
-          <a:extLst>
-            <a:ext uri="{FF2B5EF4-FFF2-40B4-BE49-F238E27FC236}">
-              <a16:creationId xmlns:a16="http://schemas.microsoft.com/office/drawing/2014/main" id="{FAE0565A-F284-339C-A097-338BFD959BB6}"/>
-            </a:ext>
-          </a:extLst>
-        </p:cNvPr>
-        <p:cNvGrpSpPr/>
-        <p:nvPr/>
-      </p:nvGrpSpPr>
-      <p:grpSpPr>
-        <a:xfrm>
-          <a:off x="0" y="0"/>
-          <a:ext cx="0" cy="0"/>
-          <a:chOff x="0" y="0"/>
-          <a:chExt cx="0" cy="0"/>
-        </a:xfrm>
-      </p:grpSpPr>
-      <p:sp>
-        <p:nvSpPr>
-          <p:cNvPr id="2" name="Title 1">
-            <a:extLst>
-              <a:ext uri="{FF2B5EF4-FFF2-40B4-BE49-F238E27FC236}">
-                <a16:creationId xmlns:a16="http://schemas.microsoft.com/office/drawing/2014/main" id="{0587993B-4FEE-7153-BE45-A3D62404B7DC}"/>
-              </a:ext>
-            </a:extLst>
-          </p:cNvPr>
-          <p:cNvSpPr>
-            <a:spLocks noGrp="1"/>
-          </p:cNvSpPr>
-          <p:nvPr>
-            <p:ph type="title"/>
-          </p:nvPr>
-        </p:nvSpPr>
-        <p:spPr/>
-        <p:txBody>
-          <a:bodyPr/>
-          <a:lstStyle/>
-          <a:p>
-            <a:r>
-              <a:rPr lang="en-US" dirty="0"/>
-              <a:t>In-Class Exercise</a:t>
-            </a:r>
-          </a:p>
-        </p:txBody>
-      </p:sp>
-      <p:sp>
-        <p:nvSpPr>
-          <p:cNvPr id="4" name="Slide Number Placeholder 3">
-            <a:extLst>
-              <a:ext uri="{FF2B5EF4-FFF2-40B4-BE49-F238E27FC236}">
-                <a16:creationId xmlns:a16="http://schemas.microsoft.com/office/drawing/2014/main" id="{8996A701-13E8-8BD6-21FD-404CA959DC4D}"/>
-              </a:ext>
-            </a:extLst>
-          </p:cNvPr>
-          <p:cNvSpPr>
-            <a:spLocks noGrp="1"/>
-          </p:cNvSpPr>
-          <p:nvPr>
-            <p:ph type="sldNum" sz="quarter" idx="12"/>
-          </p:nvPr>
-        </p:nvSpPr>
-        <p:spPr/>
-        <p:txBody>
-          <a:bodyPr/>
-          <a:lstStyle/>
-          <a:p>
-            <a:fld id="{629637A9-119A-49DA-BD12-AAC58B377D80}" type="slidenum">
-              <a:rPr lang="en-US" smtClean="0"/>
-              <a:t>21</a:t>
-            </a:fld>
-            <a:endParaRPr lang="en-US" dirty="0"/>
-          </a:p>
-        </p:txBody>
-      </p:sp>
-      <p:pic>
-        <p:nvPicPr>
-          <p:cNvPr id="10" name="Picture 9">
-            <a:extLst>
-              <a:ext uri="{FF2B5EF4-FFF2-40B4-BE49-F238E27FC236}">
-                <a16:creationId xmlns:a16="http://schemas.microsoft.com/office/drawing/2014/main" id="{3B249D7B-FC89-8151-096C-374CC14AB16B}"/>
-              </a:ext>
-            </a:extLst>
-          </p:cNvPr>
-          <p:cNvPicPr>
-            <a:picLocks noChangeAspect="1"/>
-          </p:cNvPicPr>
-          <p:nvPr/>
-        </p:nvPicPr>
-        <p:blipFill>
-          <a:blip r:embed="rId2"/>
-          <a:stretch>
-            <a:fillRect/>
-          </a:stretch>
-        </p:blipFill>
-        <p:spPr>
-          <a:xfrm>
-            <a:off x="1097280" y="1469820"/>
-            <a:ext cx="8538550" cy="4701441"/>
-          </a:xfrm>
-          <a:prstGeom prst="rect">
-            <a:avLst/>
-          </a:prstGeom>
-        </p:spPr>
-      </p:pic>
-    </p:spTree>
-    <p:extLst>
-      <p:ext uri="{BB962C8B-B14F-4D97-AF65-F5344CB8AC3E}">
-        <p14:creationId xmlns:p14="http://schemas.microsoft.com/office/powerpoint/2010/main" val="351585549"/>
-      </p:ext>
-    </p:extLst>
-  </p:cSld>
-  <p:clrMapOvr>
-    <a:masterClrMapping/>
-  </p:clrMapOvr>
-</p:sld>
-</file>
-
-<file path=ppt/slides/slide22.xml><?xml version="1.0" encoding="utf-8"?>
-<p:sld xmlns:a="http://schemas.openxmlformats.org/drawingml/2006/main" xmlns:r="http://schemas.openxmlformats.org/officeDocument/2006/relationships" xmlns:p="http://schemas.openxmlformats.org/presentationml/2006/main">
-  <p:cSld>
-    <p:spTree>
-      <p:nvGrpSpPr>
         <p:cNvPr id="1" name=""/>
         <p:cNvGrpSpPr/>
         <p:nvPr/>
@@ -11462,42 +11453,12 @@
           <a:p>
             <a:fld id="{629637A9-119A-49DA-BD12-AAC58B377D80}" type="slidenum">
               <a:rPr lang="en-US" smtClean="0"/>
-              <a:t>22</a:t>
+              <a:t>21</a:t>
             </a:fld>
             <a:endParaRPr lang="en-US" dirty="0"/>
           </a:p>
         </p:txBody>
       </p:sp>
-      <p:pic>
-        <p:nvPicPr>
-          <p:cNvPr id="6" name="Picture 5">
-            <a:extLst>
-              <a:ext uri="{FF2B5EF4-FFF2-40B4-BE49-F238E27FC236}">
-                <a16:creationId xmlns:a16="http://schemas.microsoft.com/office/drawing/2014/main" id="{9ED62D55-BA0B-736C-C5A0-E0DF027A5245}"/>
-              </a:ext>
-            </a:extLst>
-          </p:cNvPr>
-          <p:cNvPicPr>
-            <a:picLocks noChangeAspect="1"/>
-          </p:cNvPicPr>
-          <p:nvPr/>
-        </p:nvPicPr>
-        <p:blipFill>
-          <a:blip r:embed="rId2"/>
-          <a:stretch>
-            <a:fillRect/>
-          </a:stretch>
-        </p:blipFill>
-        <p:spPr>
-          <a:xfrm>
-            <a:off x="1169799" y="1620294"/>
-            <a:ext cx="4801587" cy="3617411"/>
-          </a:xfrm>
-          <a:prstGeom prst="rect">
-            <a:avLst/>
-          </a:prstGeom>
-        </p:spPr>
-      </p:pic>
       <p:sp>
         <p:nvSpPr>
           <p:cNvPr id="8" name="Content Placeholder 7">
@@ -11531,6 +11492,36 @@
           </a:p>
         </p:txBody>
       </p:sp>
+      <p:pic>
+        <p:nvPicPr>
+          <p:cNvPr id="5" name="Picture 4">
+            <a:extLst>
+              <a:ext uri="{FF2B5EF4-FFF2-40B4-BE49-F238E27FC236}">
+                <a16:creationId xmlns:a16="http://schemas.microsoft.com/office/drawing/2014/main" id="{4FEC1AC6-EEDD-18FE-A063-E080B2207E31}"/>
+              </a:ext>
+            </a:extLst>
+          </p:cNvPr>
+          <p:cNvPicPr>
+            <a:picLocks noChangeAspect="1"/>
+          </p:cNvPicPr>
+          <p:nvPr/>
+        </p:nvPicPr>
+        <p:blipFill>
+          <a:blip r:embed="rId2"/>
+          <a:stretch>
+            <a:fillRect/>
+          </a:stretch>
+        </p:blipFill>
+        <p:spPr>
+          <a:xfrm>
+            <a:off x="594926" y="2237510"/>
+            <a:ext cx="11538164" cy="3081214"/>
+          </a:xfrm>
+          <a:prstGeom prst="rect">
+            <a:avLst/>
+          </a:prstGeom>
+        </p:spPr>
+      </p:pic>
     </p:spTree>
     <p:extLst>
       <p:ext uri="{BB962C8B-B14F-4D97-AF65-F5344CB8AC3E}">
@@ -11544,7 +11535,7 @@
 </p:sld>
 </file>
 
-<file path=ppt/slides/slide23.xml><?xml version="1.0" encoding="utf-8"?>
+<file path=ppt/slides/slide22.xml><?xml version="1.0" encoding="utf-8"?>
 <p:sld xmlns:a="http://schemas.openxmlformats.org/drawingml/2006/main" xmlns:r="http://schemas.openxmlformats.org/officeDocument/2006/relationships" xmlns:p="http://schemas.openxmlformats.org/presentationml/2006/main">
   <p:cSld>
     <p:spTree>
@@ -11665,7 +11656,7 @@
           <a:p>
             <a:fld id="{629637A9-119A-49DA-BD12-AAC58B377D80}" type="slidenum">
               <a:rPr lang="en-US" smtClean="0"/>
-              <a:t>23</a:t>
+              <a:t>22</a:t>
             </a:fld>
             <a:endParaRPr lang="en-US" dirty="0"/>
           </a:p>
@@ -11736,7 +11727,7 @@
 </p:sld>
 </file>
 
-<file path=ppt/slides/slide24.xml><?xml version="1.0" encoding="utf-8"?>
+<file path=ppt/slides/slide23.xml><?xml version="1.0" encoding="utf-8"?>
 <p:sld xmlns:a="http://schemas.openxmlformats.org/drawingml/2006/main" xmlns:r="http://schemas.openxmlformats.org/officeDocument/2006/relationships" xmlns:p="http://schemas.openxmlformats.org/presentationml/2006/main">
   <p:cSld>
     <p:spTree>
@@ -12129,7 +12120,7 @@
           <a:p>
             <a:fld id="{629637A9-119A-49DA-BD12-AAC58B377D80}" type="slidenum">
               <a:rPr lang="en-US" smtClean="0"/>
-              <a:t>24</a:t>
+              <a:t>23</a:t>
             </a:fld>
             <a:endParaRPr lang="en-US" dirty="0"/>
           </a:p>
@@ -12178,7 +12169,7 @@
 </p:sld>
 </file>
 
-<file path=ppt/slides/slide25.xml><?xml version="1.0" encoding="utf-8"?>
+<file path=ppt/slides/slide24.xml><?xml version="1.0" encoding="utf-8"?>
 <p:sld xmlns:a="http://schemas.openxmlformats.org/drawingml/2006/main" xmlns:r="http://schemas.openxmlformats.org/officeDocument/2006/relationships" xmlns:p="http://schemas.openxmlformats.org/presentationml/2006/main">
   <p:cSld>
     <p:spTree>
@@ -12347,7 +12338,7 @@
           <a:p>
             <a:fld id="{629637A9-119A-49DA-BD12-AAC58B377D80}" type="slidenum">
               <a:rPr lang="en-US" smtClean="0"/>
-              <a:t>25</a:t>
+              <a:t>24</a:t>
             </a:fld>
             <a:endParaRPr lang="en-US" dirty="0"/>
           </a:p>
@@ -12542,7 +12533,7 @@
 </p:sld>
 </file>
 
-<file path=ppt/slides/slide26.xml><?xml version="1.0" encoding="utf-8"?>
+<file path=ppt/slides/slide25.xml><?xml version="1.0" encoding="utf-8"?>
 <p:sld xmlns:a="http://schemas.openxmlformats.org/drawingml/2006/main" xmlns:r="http://schemas.openxmlformats.org/officeDocument/2006/relationships" xmlns:p="http://schemas.openxmlformats.org/presentationml/2006/main">
   <p:cSld>
     <p:spTree>
@@ -12729,7 +12720,7 @@
           <a:p>
             <a:fld id="{629637A9-119A-49DA-BD12-AAC58B377D80}" type="slidenum">
               <a:rPr lang="en-US" smtClean="0"/>
-              <a:t>26</a:t>
+              <a:t>25</a:t>
             </a:fld>
             <a:endParaRPr lang="en-US" dirty="0"/>
           </a:p>
@@ -12778,7 +12769,7 @@
 </p:sld>
 </file>
 
-<file path=ppt/slides/slide27.xml><?xml version="1.0" encoding="utf-8"?>
+<file path=ppt/slides/slide26.xml><?xml version="1.0" encoding="utf-8"?>
 <p:sld xmlns:a="http://schemas.openxmlformats.org/drawingml/2006/main" xmlns:r="http://schemas.openxmlformats.org/officeDocument/2006/relationships" xmlns:p="http://schemas.openxmlformats.org/presentationml/2006/main">
   <p:cSld>
     <p:spTree>
@@ -12885,7 +12876,7 @@
           <a:p>
             <a:fld id="{629637A9-119A-49DA-BD12-AAC58B377D80}" type="slidenum">
               <a:rPr lang="en-US" smtClean="0"/>
-              <a:t>27</a:t>
+              <a:t>26</a:t>
             </a:fld>
             <a:endParaRPr lang="en-US" dirty="0"/>
           </a:p>
@@ -12934,7 +12925,7 @@
 </p:sld>
 </file>
 
-<file path=ppt/slides/slide28.xml><?xml version="1.0" encoding="utf-8"?>
+<file path=ppt/slides/slide27.xml><?xml version="1.0" encoding="utf-8"?>
 <p:sld xmlns:a="http://schemas.openxmlformats.org/drawingml/2006/main" xmlns:r="http://schemas.openxmlformats.org/officeDocument/2006/relationships" xmlns:p="http://schemas.openxmlformats.org/presentationml/2006/main">
   <p:cSld>
     <p:spTree>
@@ -14061,7 +14052,7 @@
           <a:p>
             <a:fld id="{629637A9-119A-49DA-BD12-AAC58B377D80}" type="slidenum">
               <a:rPr lang="en-US" smtClean="0"/>
-              <a:t>28</a:t>
+              <a:t>27</a:t>
             </a:fld>
             <a:endParaRPr lang="en-US" dirty="0"/>
           </a:p>
@@ -14110,7 +14101,7 @@
 </p:sld>
 </file>
 
-<file path=ppt/slides/slide29.xml><?xml version="1.0" encoding="utf-8"?>
+<file path=ppt/slides/slide28.xml><?xml version="1.0" encoding="utf-8"?>
 <p:sld xmlns:a="http://schemas.openxmlformats.org/drawingml/2006/main" xmlns:r="http://schemas.openxmlformats.org/officeDocument/2006/relationships" xmlns:p="http://schemas.openxmlformats.org/presentationml/2006/main">
   <p:cSld>
     <p:spTree>
@@ -14521,7 +14512,7 @@
           <a:p>
             <a:fld id="{629637A9-119A-49DA-BD12-AAC58B377D80}" type="slidenum">
               <a:rPr lang="en-US" smtClean="0"/>
-              <a:t>29</a:t>
+              <a:t>28</a:t>
             </a:fld>
             <a:endParaRPr lang="en-US" dirty="0"/>
           </a:p>
@@ -14570,199 +14561,7 @@
 </p:sld>
 </file>
 
-<file path=ppt/slides/slide3.xml><?xml version="1.0" encoding="utf-8"?>
-<p:sld xmlns:a="http://schemas.openxmlformats.org/drawingml/2006/main" xmlns:r="http://schemas.openxmlformats.org/officeDocument/2006/relationships" xmlns:p="http://schemas.openxmlformats.org/presentationml/2006/main">
-  <p:cSld>
-    <p:spTree>
-      <p:nvGrpSpPr>
-        <p:cNvPr id="1" name="">
-          <a:extLst>
-            <a:ext uri="{FF2B5EF4-FFF2-40B4-BE49-F238E27FC236}">
-              <a16:creationId xmlns:a16="http://schemas.microsoft.com/office/drawing/2014/main" id="{1F7F2F31-3203-5115-2596-EBC50D16148D}"/>
-            </a:ext>
-          </a:extLst>
-        </p:cNvPr>
-        <p:cNvGrpSpPr/>
-        <p:nvPr/>
-      </p:nvGrpSpPr>
-      <p:grpSpPr>
-        <a:xfrm>
-          <a:off x="0" y="0"/>
-          <a:ext cx="0" cy="0"/>
-          <a:chOff x="0" y="0"/>
-          <a:chExt cx="0" cy="0"/>
-        </a:xfrm>
-      </p:grpSpPr>
-      <p:sp>
-        <p:nvSpPr>
-          <p:cNvPr id="2" name="Title 1">
-            <a:extLst>
-              <a:ext uri="{FF2B5EF4-FFF2-40B4-BE49-F238E27FC236}">
-                <a16:creationId xmlns:a16="http://schemas.microsoft.com/office/drawing/2014/main" id="{99F68E12-525A-63AB-0A6F-6D4300737381}"/>
-              </a:ext>
-            </a:extLst>
-          </p:cNvPr>
-          <p:cNvSpPr>
-            <a:spLocks noGrp="1"/>
-          </p:cNvSpPr>
-          <p:nvPr>
-            <p:ph type="title"/>
-          </p:nvPr>
-        </p:nvSpPr>
-        <p:spPr/>
-        <p:txBody>
-          <a:bodyPr/>
-          <a:lstStyle/>
-          <a:p>
-            <a:r>
-              <a:rPr lang="en-US" dirty="0"/>
-              <a:t>Outline</a:t>
-            </a:r>
-          </a:p>
-        </p:txBody>
-      </p:sp>
-      <p:sp>
-        <p:nvSpPr>
-          <p:cNvPr id="3" name="Content Placeholder 2">
-            <a:extLst>
-              <a:ext uri="{FF2B5EF4-FFF2-40B4-BE49-F238E27FC236}">
-                <a16:creationId xmlns:a16="http://schemas.microsoft.com/office/drawing/2014/main" id="{DDF39F26-0689-9C02-1517-96591E92BDBB}"/>
-              </a:ext>
-            </a:extLst>
-          </p:cNvPr>
-          <p:cNvSpPr>
-            <a:spLocks noGrp="1"/>
-          </p:cNvSpPr>
-          <p:nvPr>
-            <p:ph idx="1"/>
-          </p:nvPr>
-        </p:nvSpPr>
-        <p:spPr/>
-        <p:txBody>
-          <a:bodyPr>
-            <a:normAutofit/>
-          </a:bodyPr>
-          <a:lstStyle/>
-          <a:p>
-            <a:r>
-              <a:rPr lang="en-US" sz="2400" dirty="0"/>
-              <a:t>Registers, Clocks and Sequential Logic and Finite State Machines</a:t>
-            </a:r>
-          </a:p>
-          <a:p>
-            <a:r>
-              <a:rPr lang="en-US" sz="2400" dirty="0"/>
-              <a:t>Splitting Long Computations</a:t>
-            </a:r>
-          </a:p>
-          <a:p>
-            <a:r>
-              <a:rPr lang="en-US" sz="2400" dirty="0"/>
-              <a:t>Simulating and Synthesizing Simple Modules in </a:t>
-            </a:r>
-            <a:r>
-              <a:rPr lang="en-US" sz="2400" dirty="0" err="1"/>
-              <a:t>Vivado</a:t>
-            </a:r>
-            <a:endParaRPr lang="en-US" sz="2400" dirty="0"/>
-          </a:p>
-        </p:txBody>
-      </p:sp>
-      <p:sp>
-        <p:nvSpPr>
-          <p:cNvPr id="4" name="Slide Number Placeholder 3">
-            <a:extLst>
-              <a:ext uri="{FF2B5EF4-FFF2-40B4-BE49-F238E27FC236}">
-                <a16:creationId xmlns:a16="http://schemas.microsoft.com/office/drawing/2014/main" id="{915422D8-678A-1358-2D01-61E3D624E0FD}"/>
-              </a:ext>
-            </a:extLst>
-          </p:cNvPr>
-          <p:cNvSpPr>
-            <a:spLocks noGrp="1"/>
-          </p:cNvSpPr>
-          <p:nvPr>
-            <p:ph type="sldNum" sz="quarter" idx="12"/>
-          </p:nvPr>
-        </p:nvSpPr>
-        <p:spPr/>
-        <p:txBody>
-          <a:bodyPr/>
-          <a:lstStyle/>
-          <a:p>
-            <a:fld id="{629637A9-119A-49DA-BD12-AAC58B377D80}" type="slidenum">
-              <a:rPr lang="en-US" smtClean="0"/>
-              <a:t>3</a:t>
-            </a:fld>
-            <a:endParaRPr lang="en-US" dirty="0"/>
-          </a:p>
-        </p:txBody>
-      </p:sp>
-      <p:sp>
-        <p:nvSpPr>
-          <p:cNvPr id="5" name="Arrow: Right 4">
-            <a:extLst>
-              <a:ext uri="{FF2B5EF4-FFF2-40B4-BE49-F238E27FC236}">
-                <a16:creationId xmlns:a16="http://schemas.microsoft.com/office/drawing/2014/main" id="{BE4DF5AC-F564-EFD6-6310-8AE29B223504}"/>
-              </a:ext>
-            </a:extLst>
-          </p:cNvPr>
-          <p:cNvSpPr/>
-          <p:nvPr/>
-        </p:nvSpPr>
-        <p:spPr>
-          <a:xfrm>
-            <a:off x="481901" y="1441322"/>
-            <a:ext cx="938784" cy="484632"/>
-          </a:xfrm>
-          <a:prstGeom prst="rightArrow">
-            <a:avLst/>
-          </a:prstGeom>
-          <a:solidFill>
-            <a:schemeClr val="accent1">
-              <a:lumMod val="40000"/>
-              <a:lumOff val="60000"/>
-            </a:schemeClr>
-          </a:solidFill>
-        </p:spPr>
-        <p:style>
-          <a:lnRef idx="2">
-            <a:schemeClr val="accent1">
-              <a:shade val="50000"/>
-            </a:schemeClr>
-          </a:lnRef>
-          <a:fillRef idx="1">
-            <a:schemeClr val="accent1"/>
-          </a:fillRef>
-          <a:effectRef idx="0">
-            <a:schemeClr val="accent1"/>
-          </a:effectRef>
-          <a:fontRef idx="minor">
-            <a:schemeClr val="lt1"/>
-          </a:fontRef>
-        </p:style>
-        <p:txBody>
-          <a:bodyPr rtlCol="0" anchor="ctr"/>
-          <a:lstStyle/>
-          <a:p>
-            <a:pPr algn="ctr"/>
-            <a:endParaRPr lang="en-US"/>
-          </a:p>
-        </p:txBody>
-      </p:sp>
-    </p:spTree>
-    <p:extLst>
-      <p:ext uri="{BB962C8B-B14F-4D97-AF65-F5344CB8AC3E}">
-        <p14:creationId xmlns:p14="http://schemas.microsoft.com/office/powerpoint/2010/main" val="837250590"/>
-      </p:ext>
-    </p:extLst>
-  </p:cSld>
-  <p:clrMapOvr>
-    <a:masterClrMapping/>
-  </p:clrMapOvr>
-</p:sld>
-</file>
-
-<file path=ppt/slides/slide30.xml><?xml version="1.0" encoding="utf-8"?>
+<file path=ppt/slides/slide29.xml><?xml version="1.0" encoding="utf-8"?>
 <p:sld xmlns:a="http://schemas.openxmlformats.org/drawingml/2006/main" xmlns:r="http://schemas.openxmlformats.org/officeDocument/2006/relationships" xmlns:p="http://schemas.openxmlformats.org/presentationml/2006/main">
   <p:cSld>
     <p:spTree>
@@ -15081,7 +14880,7 @@
           <a:p>
             <a:fld id="{629637A9-119A-49DA-BD12-AAC58B377D80}" type="slidenum">
               <a:rPr lang="en-US" smtClean="0"/>
-              <a:t>30</a:t>
+              <a:t>29</a:t>
             </a:fld>
             <a:endParaRPr lang="en-US" dirty="0"/>
           </a:p>
@@ -15161,7 +14960,199 @@
 </p:sld>
 </file>
 
-<file path=ppt/slides/slide31.xml><?xml version="1.0" encoding="utf-8"?>
+<file path=ppt/slides/slide3.xml><?xml version="1.0" encoding="utf-8"?>
+<p:sld xmlns:a="http://schemas.openxmlformats.org/drawingml/2006/main" xmlns:r="http://schemas.openxmlformats.org/officeDocument/2006/relationships" xmlns:p="http://schemas.openxmlformats.org/presentationml/2006/main">
+  <p:cSld>
+    <p:spTree>
+      <p:nvGrpSpPr>
+        <p:cNvPr id="1" name="">
+          <a:extLst>
+            <a:ext uri="{FF2B5EF4-FFF2-40B4-BE49-F238E27FC236}">
+              <a16:creationId xmlns:a16="http://schemas.microsoft.com/office/drawing/2014/main" id="{1F7F2F31-3203-5115-2596-EBC50D16148D}"/>
+            </a:ext>
+          </a:extLst>
+        </p:cNvPr>
+        <p:cNvGrpSpPr/>
+        <p:nvPr/>
+      </p:nvGrpSpPr>
+      <p:grpSpPr>
+        <a:xfrm>
+          <a:off x="0" y="0"/>
+          <a:ext cx="0" cy="0"/>
+          <a:chOff x="0" y="0"/>
+          <a:chExt cx="0" cy="0"/>
+        </a:xfrm>
+      </p:grpSpPr>
+      <p:sp>
+        <p:nvSpPr>
+          <p:cNvPr id="2" name="Title 1">
+            <a:extLst>
+              <a:ext uri="{FF2B5EF4-FFF2-40B4-BE49-F238E27FC236}">
+                <a16:creationId xmlns:a16="http://schemas.microsoft.com/office/drawing/2014/main" id="{99F68E12-525A-63AB-0A6F-6D4300737381}"/>
+              </a:ext>
+            </a:extLst>
+          </p:cNvPr>
+          <p:cNvSpPr>
+            <a:spLocks noGrp="1"/>
+          </p:cNvSpPr>
+          <p:nvPr>
+            <p:ph type="title"/>
+          </p:nvPr>
+        </p:nvSpPr>
+        <p:spPr/>
+        <p:txBody>
+          <a:bodyPr/>
+          <a:lstStyle/>
+          <a:p>
+            <a:r>
+              <a:rPr lang="en-US" dirty="0"/>
+              <a:t>Outline</a:t>
+            </a:r>
+          </a:p>
+        </p:txBody>
+      </p:sp>
+      <p:sp>
+        <p:nvSpPr>
+          <p:cNvPr id="3" name="Content Placeholder 2">
+            <a:extLst>
+              <a:ext uri="{FF2B5EF4-FFF2-40B4-BE49-F238E27FC236}">
+                <a16:creationId xmlns:a16="http://schemas.microsoft.com/office/drawing/2014/main" id="{DDF39F26-0689-9C02-1517-96591E92BDBB}"/>
+              </a:ext>
+            </a:extLst>
+          </p:cNvPr>
+          <p:cNvSpPr>
+            <a:spLocks noGrp="1"/>
+          </p:cNvSpPr>
+          <p:nvPr>
+            <p:ph idx="1"/>
+          </p:nvPr>
+        </p:nvSpPr>
+        <p:spPr/>
+        <p:txBody>
+          <a:bodyPr>
+            <a:normAutofit/>
+          </a:bodyPr>
+          <a:lstStyle/>
+          <a:p>
+            <a:r>
+              <a:rPr lang="en-US" sz="2400" dirty="0"/>
+              <a:t>Registers, Clocks and Sequential Logic and Finite State Machines</a:t>
+            </a:r>
+          </a:p>
+          <a:p>
+            <a:r>
+              <a:rPr lang="en-US" sz="2400" dirty="0"/>
+              <a:t>Splitting Long Computations</a:t>
+            </a:r>
+          </a:p>
+          <a:p>
+            <a:r>
+              <a:rPr lang="en-US" sz="2400" dirty="0"/>
+              <a:t>Simulating and Synthesizing Simple Modules in </a:t>
+            </a:r>
+            <a:r>
+              <a:rPr lang="en-US" sz="2400" dirty="0" err="1"/>
+              <a:t>Vivado</a:t>
+            </a:r>
+            <a:endParaRPr lang="en-US" sz="2400" dirty="0"/>
+          </a:p>
+        </p:txBody>
+      </p:sp>
+      <p:sp>
+        <p:nvSpPr>
+          <p:cNvPr id="4" name="Slide Number Placeholder 3">
+            <a:extLst>
+              <a:ext uri="{FF2B5EF4-FFF2-40B4-BE49-F238E27FC236}">
+                <a16:creationId xmlns:a16="http://schemas.microsoft.com/office/drawing/2014/main" id="{915422D8-678A-1358-2D01-61E3D624E0FD}"/>
+              </a:ext>
+            </a:extLst>
+          </p:cNvPr>
+          <p:cNvSpPr>
+            <a:spLocks noGrp="1"/>
+          </p:cNvSpPr>
+          <p:nvPr>
+            <p:ph type="sldNum" sz="quarter" idx="12"/>
+          </p:nvPr>
+        </p:nvSpPr>
+        <p:spPr/>
+        <p:txBody>
+          <a:bodyPr/>
+          <a:lstStyle/>
+          <a:p>
+            <a:fld id="{629637A9-119A-49DA-BD12-AAC58B377D80}" type="slidenum">
+              <a:rPr lang="en-US" smtClean="0"/>
+              <a:t>3</a:t>
+            </a:fld>
+            <a:endParaRPr lang="en-US" dirty="0"/>
+          </a:p>
+        </p:txBody>
+      </p:sp>
+      <p:sp>
+        <p:nvSpPr>
+          <p:cNvPr id="5" name="Arrow: Right 4">
+            <a:extLst>
+              <a:ext uri="{FF2B5EF4-FFF2-40B4-BE49-F238E27FC236}">
+                <a16:creationId xmlns:a16="http://schemas.microsoft.com/office/drawing/2014/main" id="{BE4DF5AC-F564-EFD6-6310-8AE29B223504}"/>
+              </a:ext>
+            </a:extLst>
+          </p:cNvPr>
+          <p:cNvSpPr/>
+          <p:nvPr/>
+        </p:nvSpPr>
+        <p:spPr>
+          <a:xfrm>
+            <a:off x="481901" y="1441322"/>
+            <a:ext cx="938784" cy="484632"/>
+          </a:xfrm>
+          <a:prstGeom prst="rightArrow">
+            <a:avLst/>
+          </a:prstGeom>
+          <a:solidFill>
+            <a:schemeClr val="accent1">
+              <a:lumMod val="40000"/>
+              <a:lumOff val="60000"/>
+            </a:schemeClr>
+          </a:solidFill>
+        </p:spPr>
+        <p:style>
+          <a:lnRef idx="2">
+            <a:schemeClr val="accent1">
+              <a:shade val="50000"/>
+            </a:schemeClr>
+          </a:lnRef>
+          <a:fillRef idx="1">
+            <a:schemeClr val="accent1"/>
+          </a:fillRef>
+          <a:effectRef idx="0">
+            <a:schemeClr val="accent1"/>
+          </a:effectRef>
+          <a:fontRef idx="minor">
+            <a:schemeClr val="lt1"/>
+          </a:fontRef>
+        </p:style>
+        <p:txBody>
+          <a:bodyPr rtlCol="0" anchor="ctr"/>
+          <a:lstStyle/>
+          <a:p>
+            <a:pPr algn="ctr"/>
+            <a:endParaRPr lang="en-US"/>
+          </a:p>
+        </p:txBody>
+      </p:sp>
+    </p:spTree>
+    <p:extLst>
+      <p:ext uri="{BB962C8B-B14F-4D97-AF65-F5344CB8AC3E}">
+        <p14:creationId xmlns:p14="http://schemas.microsoft.com/office/powerpoint/2010/main" val="837250590"/>
+      </p:ext>
+    </p:extLst>
+  </p:cSld>
+  <p:clrMapOvr>
+    <a:masterClrMapping/>
+  </p:clrMapOvr>
+</p:sld>
+</file>
+
+<file path=ppt/slides/slide30.xml><?xml version="1.0" encoding="utf-8"?>
 <p:sld xmlns:a="http://schemas.openxmlformats.org/drawingml/2006/main" xmlns:r="http://schemas.openxmlformats.org/officeDocument/2006/relationships" xmlns:p="http://schemas.openxmlformats.org/presentationml/2006/main">
   <p:cSld>
     <p:spTree>
@@ -15340,7 +15331,7 @@
           <a:p>
             <a:fld id="{629637A9-119A-49DA-BD12-AAC58B377D80}" type="slidenum">
               <a:rPr lang="en-US" smtClean="0"/>
-              <a:t>31</a:t>
+              <a:t>30</a:t>
             </a:fld>
             <a:endParaRPr lang="en-US" dirty="0"/>
           </a:p>
@@ -15419,7 +15410,7 @@
 </p:sld>
 </file>
 
-<file path=ppt/slides/slide32.xml><?xml version="1.0" encoding="utf-8"?>
+<file path=ppt/slides/slide31.xml><?xml version="1.0" encoding="utf-8"?>
 <p:sld xmlns:a="http://schemas.openxmlformats.org/drawingml/2006/main" xmlns:r="http://schemas.openxmlformats.org/officeDocument/2006/relationships" xmlns:p="http://schemas.openxmlformats.org/presentationml/2006/main">
   <p:cSld>
     <p:spTree>
@@ -16372,7 +16363,7 @@
           <a:p>
             <a:fld id="{629637A9-119A-49DA-BD12-AAC58B377D80}" type="slidenum">
               <a:rPr lang="en-US" smtClean="0"/>
-              <a:t>32</a:t>
+              <a:t>31</a:t>
             </a:fld>
             <a:endParaRPr lang="en-US" dirty="0"/>
           </a:p>
@@ -16421,7 +16412,7 @@
 </p:sld>
 </file>
 
-<file path=ppt/slides/slide33.xml><?xml version="1.0" encoding="utf-8"?>
+<file path=ppt/slides/slide32.xml><?xml version="1.0" encoding="utf-8"?>
 <p:sld xmlns:a="http://schemas.openxmlformats.org/drawingml/2006/main" xmlns:r="http://schemas.openxmlformats.org/officeDocument/2006/relationships" xmlns:p="http://schemas.openxmlformats.org/presentationml/2006/main">
   <p:cSld>
     <p:spTree>
@@ -16438,6 +16429,36 @@
           <a:chExt cx="0" cy="0"/>
         </a:xfrm>
       </p:grpSpPr>
+      <p:pic>
+        <p:nvPicPr>
+          <p:cNvPr id="7" name="Picture 6">
+            <a:extLst>
+              <a:ext uri="{FF2B5EF4-FFF2-40B4-BE49-F238E27FC236}">
+                <a16:creationId xmlns:a16="http://schemas.microsoft.com/office/drawing/2014/main" id="{D62BD6C9-D65C-B3B8-29B4-7ECB967F819A}"/>
+              </a:ext>
+            </a:extLst>
+          </p:cNvPr>
+          <p:cNvPicPr>
+            <a:picLocks noChangeAspect="1"/>
+          </p:cNvPicPr>
+          <p:nvPr/>
+        </p:nvPicPr>
+        <p:blipFill>
+          <a:blip r:embed="rId2"/>
+          <a:stretch>
+            <a:fillRect/>
+          </a:stretch>
+        </p:blipFill>
+        <p:spPr>
+          <a:xfrm>
+            <a:off x="213491" y="1326814"/>
+            <a:ext cx="11765017" cy="2048161"/>
+          </a:xfrm>
+          <a:prstGeom prst="rect">
+            <a:avLst/>
+          </a:prstGeom>
+        </p:spPr>
+      </p:pic>
       <p:sp>
         <p:nvSpPr>
           <p:cNvPr id="2" name="Title 1">
@@ -16562,7 +16583,7 @@
                 <a:ext cx="8564527" cy="2153093"/>
               </a:xfrm>
               <a:blipFill>
-                <a:blip r:embed="rId2"/>
+                <a:blip r:embed="rId3"/>
                 <a:stretch>
                   <a:fillRect l="-1708" t="-3116"/>
                 </a:stretch>
@@ -16606,7 +16627,7 @@
           <a:p>
             <a:fld id="{629637A9-119A-49DA-BD12-AAC58B377D80}" type="slidenum">
               <a:rPr lang="en-US" smtClean="0"/>
-              <a:t>33</a:t>
+              <a:t>32</a:t>
             </a:fld>
             <a:endParaRPr lang="en-US" dirty="0"/>
           </a:p>
@@ -16614,40 +16635,10 @@
       </p:sp>
       <p:pic>
         <p:nvPicPr>
-          <p:cNvPr id="6" name="Picture 5">
+          <p:cNvPr id="10" name="Picture 9">
             <a:extLst>
               <a:ext uri="{FF2B5EF4-FFF2-40B4-BE49-F238E27FC236}">
-                <a16:creationId xmlns:a16="http://schemas.microsoft.com/office/drawing/2014/main" id="{934CF646-78CE-53B1-25EE-5BFCE32C5873}"/>
-              </a:ext>
-            </a:extLst>
-          </p:cNvPr>
-          <p:cNvPicPr>
-            <a:picLocks noChangeAspect="1"/>
-          </p:cNvPicPr>
-          <p:nvPr/>
-        </p:nvPicPr>
-        <p:blipFill>
-          <a:blip r:embed="rId3"/>
-          <a:stretch>
-            <a:fillRect/>
-          </a:stretch>
-        </p:blipFill>
-        <p:spPr>
-          <a:xfrm>
-            <a:off x="911483" y="1584319"/>
-            <a:ext cx="5743870" cy="1647910"/>
-          </a:xfrm>
-          <a:prstGeom prst="rect">
-            <a:avLst/>
-          </a:prstGeom>
-        </p:spPr>
-      </p:pic>
-      <p:pic>
-        <p:nvPicPr>
-          <p:cNvPr id="8" name="Picture 7">
-            <a:extLst>
-              <a:ext uri="{FF2B5EF4-FFF2-40B4-BE49-F238E27FC236}">
-                <a16:creationId xmlns:a16="http://schemas.microsoft.com/office/drawing/2014/main" id="{0457DFC5-D065-5F7A-7039-5C9F38AA7EFC}"/>
+                <a16:creationId xmlns:a16="http://schemas.microsoft.com/office/drawing/2014/main" id="{8B18CF7F-A002-6BCB-5A55-E0C63917804F}"/>
               </a:ext>
             </a:extLst>
           </p:cNvPr>
@@ -16664,8 +16655,8 @@
         </p:blipFill>
         <p:spPr>
           <a:xfrm>
-            <a:off x="7207103" y="286603"/>
-            <a:ext cx="4536558" cy="2882763"/>
+            <a:off x="6586042" y="2937164"/>
+            <a:ext cx="5161608" cy="2986112"/>
           </a:xfrm>
           <a:prstGeom prst="rect">
             <a:avLst/>
@@ -16685,7 +16676,7 @@
 </p:sld>
 </file>
 
-<file path=ppt/slides/slide34.xml><?xml version="1.0" encoding="utf-8"?>
+<file path=ppt/slides/slide33.xml><?xml version="1.0" encoding="utf-8"?>
 <p:sld xmlns:a="http://schemas.openxmlformats.org/drawingml/2006/main" xmlns:r="http://schemas.openxmlformats.org/officeDocument/2006/relationships" xmlns:p="http://schemas.openxmlformats.org/presentationml/2006/main">
   <p:cSld>
     <p:spTree>
@@ -16806,7 +16797,7 @@
           <a:p>
             <a:fld id="{629637A9-119A-49DA-BD12-AAC58B377D80}" type="slidenum">
               <a:rPr lang="en-US" smtClean="0"/>
-              <a:t>34</a:t>
+              <a:t>33</a:t>
             </a:fld>
             <a:endParaRPr lang="en-US" dirty="0"/>
           </a:p>
@@ -16877,7 +16868,7 @@
 </p:sld>
 </file>
 
-<file path=ppt/slides/slide35.xml><?xml version="1.0" encoding="utf-8"?>
+<file path=ppt/slides/slide34.xml><?xml version="1.0" encoding="utf-8"?>
 <p:sld xmlns:a="http://schemas.openxmlformats.org/drawingml/2006/main" xmlns:r="http://schemas.openxmlformats.org/officeDocument/2006/relationships" xmlns:p="http://schemas.openxmlformats.org/presentationml/2006/main">
   <p:cSld>
     <p:spTree>
@@ -16951,7 +16942,7 @@
           <a:p>
             <a:fld id="{629637A9-119A-49DA-BD12-AAC58B377D80}" type="slidenum">
               <a:rPr lang="en-US" smtClean="0"/>
-              <a:t>35</a:t>
+              <a:t>34</a:t>
             </a:fld>
             <a:endParaRPr lang="en-US" dirty="0"/>
           </a:p>
@@ -17579,7 +17570,7 @@
 </p:sld>
 </file>
 
-<file path=ppt/slides/slide36.xml><?xml version="1.0" encoding="utf-8"?>
+<file path=ppt/slides/slide35.xml><?xml version="1.0" encoding="utf-8"?>
 <p:sld xmlns:a="http://schemas.openxmlformats.org/drawingml/2006/main" xmlns:r="http://schemas.openxmlformats.org/officeDocument/2006/relationships" xmlns:p="http://schemas.openxmlformats.org/presentationml/2006/main">
   <p:cSld>
     <p:spTree>
@@ -17720,7 +17711,7 @@
           <a:p>
             <a:fld id="{629637A9-119A-49DA-BD12-AAC58B377D80}" type="slidenum">
               <a:rPr lang="en-US" smtClean="0"/>
-              <a:t>36</a:t>
+              <a:t>35</a:t>
             </a:fld>
             <a:endParaRPr lang="en-US" dirty="0"/>
           </a:p>
@@ -17799,7 +17790,7 @@
 </p:sld>
 </file>
 
-<file path=ppt/slides/slide37.xml><?xml version="1.0" encoding="utf-8"?>
+<file path=ppt/slides/slide36.xml><?xml version="1.0" encoding="utf-8"?>
 <p:sld xmlns:a="http://schemas.openxmlformats.org/drawingml/2006/main" xmlns:r="http://schemas.openxmlformats.org/officeDocument/2006/relationships" xmlns:p="http://schemas.openxmlformats.org/presentationml/2006/main">
   <p:cSld>
     <p:spTree>
@@ -17951,7 +17942,7 @@
           <a:p>
             <a:fld id="{629637A9-119A-49DA-BD12-AAC58B377D80}" type="slidenum">
               <a:rPr lang="en-US" smtClean="0"/>
-              <a:t>37</a:t>
+              <a:t>36</a:t>
             </a:fld>
             <a:endParaRPr lang="en-US" dirty="0"/>
           </a:p>
@@ -18474,7 +18465,7 @@
 </p:sld>
 </file>
 
-<file path=ppt/slides/slide38.xml><?xml version="1.0" encoding="utf-8"?>
+<file path=ppt/slides/slide37.xml><?xml version="1.0" encoding="utf-8"?>
 <p:sld xmlns:a="http://schemas.openxmlformats.org/drawingml/2006/main" xmlns:r="http://schemas.openxmlformats.org/officeDocument/2006/relationships" xmlns:p="http://schemas.openxmlformats.org/presentationml/2006/main">
   <p:cSld>
     <p:spTree>
@@ -18691,7 +18682,7 @@
           <a:p>
             <a:fld id="{629637A9-119A-49DA-BD12-AAC58B377D80}" type="slidenum">
               <a:rPr lang="en-US" smtClean="0"/>
-              <a:t>38</a:t>
+              <a:t>37</a:t>
             </a:fld>
             <a:endParaRPr lang="en-US" dirty="0"/>
           </a:p>
@@ -19214,7 +19205,7 @@
 </p:sld>
 </file>
 
-<file path=ppt/slides/slide39.xml><?xml version="1.0" encoding="utf-8"?>
+<file path=ppt/slides/slide38.xml><?xml version="1.0" encoding="utf-8"?>
 <p:sld xmlns:a="http://schemas.openxmlformats.org/drawingml/2006/main" xmlns:r="http://schemas.openxmlformats.org/officeDocument/2006/relationships" xmlns:p="http://schemas.openxmlformats.org/presentationml/2006/main">
   <p:cSld>
     <p:spTree>
@@ -19407,7 +19398,7 @@
           <a:p>
             <a:fld id="{629637A9-119A-49DA-BD12-AAC58B377D80}" type="slidenum">
               <a:rPr lang="en-US" smtClean="0"/>
-              <a:t>39</a:t>
+              <a:t>38</a:t>
             </a:fld>
             <a:endParaRPr lang="en-US" dirty="0"/>
           </a:p>
@@ -19607,185 +19598,7 @@
 </p:sld>
 </file>
 
-<file path=ppt/slides/slide4.xml><?xml version="1.0" encoding="utf-8"?>
-<p:sld xmlns:a="http://schemas.openxmlformats.org/drawingml/2006/main" xmlns:r="http://schemas.openxmlformats.org/officeDocument/2006/relationships" xmlns:p="http://schemas.openxmlformats.org/presentationml/2006/main">
-  <p:cSld>
-    <p:spTree>
-      <p:nvGrpSpPr>
-        <p:cNvPr id="1" name=""/>
-        <p:cNvGrpSpPr/>
-        <p:nvPr/>
-      </p:nvGrpSpPr>
-      <p:grpSpPr>
-        <a:xfrm>
-          <a:off x="0" y="0"/>
-          <a:ext cx="0" cy="0"/>
-          <a:chOff x="0" y="0"/>
-          <a:chExt cx="0" cy="0"/>
-        </a:xfrm>
-      </p:grpSpPr>
-      <p:pic>
-        <p:nvPicPr>
-          <p:cNvPr id="8" name="Picture 7">
-            <a:extLst>
-              <a:ext uri="{FF2B5EF4-FFF2-40B4-BE49-F238E27FC236}">
-                <a16:creationId xmlns:a16="http://schemas.microsoft.com/office/drawing/2014/main" id="{276CA79D-EBD9-AA57-8A75-5919CEF3CBED}"/>
-              </a:ext>
-            </a:extLst>
-          </p:cNvPr>
-          <p:cNvPicPr>
-            <a:picLocks noChangeAspect="1"/>
-          </p:cNvPicPr>
-          <p:nvPr/>
-        </p:nvPicPr>
-        <p:blipFill>
-          <a:blip r:embed="rId2"/>
-          <a:stretch>
-            <a:fillRect/>
-          </a:stretch>
-        </p:blipFill>
-        <p:spPr>
-          <a:xfrm>
-            <a:off x="4795408" y="3828056"/>
-            <a:ext cx="6037276" cy="1854200"/>
-          </a:xfrm>
-          <a:prstGeom prst="rect">
-            <a:avLst/>
-          </a:prstGeom>
-        </p:spPr>
-      </p:pic>
-      <p:sp>
-        <p:nvSpPr>
-          <p:cNvPr id="2" name="Title 1">
-            <a:extLst>
-              <a:ext uri="{FF2B5EF4-FFF2-40B4-BE49-F238E27FC236}">
-                <a16:creationId xmlns:a16="http://schemas.microsoft.com/office/drawing/2014/main" id="{3011CEB7-614C-5A0C-3EAF-0455FA160095}"/>
-              </a:ext>
-            </a:extLst>
-          </p:cNvPr>
-          <p:cNvSpPr>
-            <a:spLocks noGrp="1"/>
-          </p:cNvSpPr>
-          <p:nvPr>
-            <p:ph type="title"/>
-          </p:nvPr>
-        </p:nvSpPr>
-        <p:spPr/>
-        <p:txBody>
-          <a:bodyPr/>
-          <a:lstStyle/>
-          <a:p>
-            <a:r>
-              <a:rPr lang="en-US" dirty="0"/>
-              <a:t>Limitations of Combinational Logic</a:t>
-            </a:r>
-          </a:p>
-        </p:txBody>
-      </p:sp>
-      <p:sp>
-        <p:nvSpPr>
-          <p:cNvPr id="3" name="Content Placeholder 2">
-            <a:extLst>
-              <a:ext uri="{FF2B5EF4-FFF2-40B4-BE49-F238E27FC236}">
-                <a16:creationId xmlns:a16="http://schemas.microsoft.com/office/drawing/2014/main" id="{C8721DD7-A95F-2051-72C0-1B345C98A4B4}"/>
-              </a:ext>
-            </a:extLst>
-          </p:cNvPr>
-          <p:cNvSpPr>
-            <a:spLocks noGrp="1"/>
-          </p:cNvSpPr>
-          <p:nvPr>
-            <p:ph idx="1"/>
-          </p:nvPr>
-        </p:nvSpPr>
-        <p:spPr/>
-        <p:txBody>
-          <a:bodyPr/>
-          <a:lstStyle/>
-          <a:p>
-            <a:r>
-              <a:rPr lang="en-US" dirty="0"/>
-              <a:t>No memory — cannot store past values</a:t>
-            </a:r>
-          </a:p>
-          <a:p>
-            <a:r>
-              <a:rPr lang="en-US" dirty="0"/>
-              <a:t>Output changes immediately with input changes (no control over timing)</a:t>
-            </a:r>
-          </a:p>
-          <a:p>
-            <a:r>
-              <a:rPr lang="en-US" dirty="0"/>
-              <a:t>Long combinational paths lead to large propagation delays</a:t>
-            </a:r>
-          </a:p>
-          <a:p>
-            <a:r>
-              <a:rPr lang="en-US" dirty="0"/>
-              <a:t>Hard to build large systems without controlled timing boundaries</a:t>
-            </a:r>
-          </a:p>
-          <a:p>
-            <a:r>
-              <a:rPr lang="en-US" dirty="0"/>
-              <a:t>Glitches and hazards can propagate freely</a:t>
-            </a:r>
-          </a:p>
-          <a:p>
-            <a:r>
-              <a:rPr lang="en-US" dirty="0"/>
-              <a:t>No notion of “steps” or “cycles” — everything is continuous</a:t>
-            </a:r>
-          </a:p>
-          <a:p>
-            <a:endParaRPr lang="en-US" dirty="0"/>
-          </a:p>
-        </p:txBody>
-      </p:sp>
-      <p:sp>
-        <p:nvSpPr>
-          <p:cNvPr id="4" name="Slide Number Placeholder 3">
-            <a:extLst>
-              <a:ext uri="{FF2B5EF4-FFF2-40B4-BE49-F238E27FC236}">
-                <a16:creationId xmlns:a16="http://schemas.microsoft.com/office/drawing/2014/main" id="{333AA4B0-CBC0-DC73-9E26-F3484FB76140}"/>
-              </a:ext>
-            </a:extLst>
-          </p:cNvPr>
-          <p:cNvSpPr>
-            <a:spLocks noGrp="1"/>
-          </p:cNvSpPr>
-          <p:nvPr>
-            <p:ph type="sldNum" sz="quarter" idx="12"/>
-          </p:nvPr>
-        </p:nvSpPr>
-        <p:spPr/>
-        <p:txBody>
-          <a:bodyPr/>
-          <a:lstStyle/>
-          <a:p>
-            <a:fld id="{629637A9-119A-49DA-BD12-AAC58B377D80}" type="slidenum">
-              <a:rPr lang="en-US" smtClean="0"/>
-              <a:t>4</a:t>
-            </a:fld>
-            <a:endParaRPr lang="en-US" dirty="0"/>
-          </a:p>
-        </p:txBody>
-      </p:sp>
-    </p:spTree>
-    <p:extLst>
-      <p:ext uri="{BB962C8B-B14F-4D97-AF65-F5344CB8AC3E}">
-        <p14:creationId xmlns:p14="http://schemas.microsoft.com/office/powerpoint/2010/main" val="1363146465"/>
-      </p:ext>
-    </p:extLst>
-  </p:cSld>
-  <p:clrMapOvr>
-    <a:masterClrMapping/>
-  </p:clrMapOvr>
-</p:sld>
-</file>
-
-<file path=ppt/slides/slide40.xml><?xml version="1.0" encoding="utf-8"?>
+<file path=ppt/slides/slide39.xml><?xml version="1.0" encoding="utf-8"?>
 <p:sld xmlns:a="http://schemas.openxmlformats.org/drawingml/2006/main" xmlns:r="http://schemas.openxmlformats.org/officeDocument/2006/relationships" xmlns:p="http://schemas.openxmlformats.org/presentationml/2006/main">
   <p:cSld>
     <p:spTree>
@@ -19912,7 +19725,7 @@
           <a:p>
             <a:fld id="{629637A9-119A-49DA-BD12-AAC58B377D80}" type="slidenum">
               <a:rPr lang="en-US" smtClean="0"/>
-              <a:t>40</a:t>
+              <a:t>39</a:t>
             </a:fld>
             <a:endParaRPr lang="en-US" dirty="0"/>
           </a:p>
@@ -19991,7 +19804,185 @@
 </p:sld>
 </file>
 
-<file path=ppt/slides/slide41.xml><?xml version="1.0" encoding="utf-8"?>
+<file path=ppt/slides/slide4.xml><?xml version="1.0" encoding="utf-8"?>
+<p:sld xmlns:a="http://schemas.openxmlformats.org/drawingml/2006/main" xmlns:r="http://schemas.openxmlformats.org/officeDocument/2006/relationships" xmlns:p="http://schemas.openxmlformats.org/presentationml/2006/main">
+  <p:cSld>
+    <p:spTree>
+      <p:nvGrpSpPr>
+        <p:cNvPr id="1" name=""/>
+        <p:cNvGrpSpPr/>
+        <p:nvPr/>
+      </p:nvGrpSpPr>
+      <p:grpSpPr>
+        <a:xfrm>
+          <a:off x="0" y="0"/>
+          <a:ext cx="0" cy="0"/>
+          <a:chOff x="0" y="0"/>
+          <a:chExt cx="0" cy="0"/>
+        </a:xfrm>
+      </p:grpSpPr>
+      <p:pic>
+        <p:nvPicPr>
+          <p:cNvPr id="8" name="Picture 7">
+            <a:extLst>
+              <a:ext uri="{FF2B5EF4-FFF2-40B4-BE49-F238E27FC236}">
+                <a16:creationId xmlns:a16="http://schemas.microsoft.com/office/drawing/2014/main" id="{276CA79D-EBD9-AA57-8A75-5919CEF3CBED}"/>
+              </a:ext>
+            </a:extLst>
+          </p:cNvPr>
+          <p:cNvPicPr>
+            <a:picLocks noChangeAspect="1"/>
+          </p:cNvPicPr>
+          <p:nvPr/>
+        </p:nvPicPr>
+        <p:blipFill>
+          <a:blip r:embed="rId2"/>
+          <a:stretch>
+            <a:fillRect/>
+          </a:stretch>
+        </p:blipFill>
+        <p:spPr>
+          <a:xfrm>
+            <a:off x="4795408" y="3828056"/>
+            <a:ext cx="6037276" cy="1854200"/>
+          </a:xfrm>
+          <a:prstGeom prst="rect">
+            <a:avLst/>
+          </a:prstGeom>
+        </p:spPr>
+      </p:pic>
+      <p:sp>
+        <p:nvSpPr>
+          <p:cNvPr id="2" name="Title 1">
+            <a:extLst>
+              <a:ext uri="{FF2B5EF4-FFF2-40B4-BE49-F238E27FC236}">
+                <a16:creationId xmlns:a16="http://schemas.microsoft.com/office/drawing/2014/main" id="{3011CEB7-614C-5A0C-3EAF-0455FA160095}"/>
+              </a:ext>
+            </a:extLst>
+          </p:cNvPr>
+          <p:cNvSpPr>
+            <a:spLocks noGrp="1"/>
+          </p:cNvSpPr>
+          <p:nvPr>
+            <p:ph type="title"/>
+          </p:nvPr>
+        </p:nvSpPr>
+        <p:spPr/>
+        <p:txBody>
+          <a:bodyPr/>
+          <a:lstStyle/>
+          <a:p>
+            <a:r>
+              <a:rPr lang="en-US" dirty="0"/>
+              <a:t>Limitations of Combinational Logic</a:t>
+            </a:r>
+          </a:p>
+        </p:txBody>
+      </p:sp>
+      <p:sp>
+        <p:nvSpPr>
+          <p:cNvPr id="3" name="Content Placeholder 2">
+            <a:extLst>
+              <a:ext uri="{FF2B5EF4-FFF2-40B4-BE49-F238E27FC236}">
+                <a16:creationId xmlns:a16="http://schemas.microsoft.com/office/drawing/2014/main" id="{C8721DD7-A95F-2051-72C0-1B345C98A4B4}"/>
+              </a:ext>
+            </a:extLst>
+          </p:cNvPr>
+          <p:cNvSpPr>
+            <a:spLocks noGrp="1"/>
+          </p:cNvSpPr>
+          <p:nvPr>
+            <p:ph idx="1"/>
+          </p:nvPr>
+        </p:nvSpPr>
+        <p:spPr/>
+        <p:txBody>
+          <a:bodyPr/>
+          <a:lstStyle/>
+          <a:p>
+            <a:r>
+              <a:rPr lang="en-US" dirty="0"/>
+              <a:t>No memory — cannot store past values</a:t>
+            </a:r>
+          </a:p>
+          <a:p>
+            <a:r>
+              <a:rPr lang="en-US" dirty="0"/>
+              <a:t>Output changes immediately with input changes (no control over timing)</a:t>
+            </a:r>
+          </a:p>
+          <a:p>
+            <a:r>
+              <a:rPr lang="en-US" dirty="0"/>
+              <a:t>Long combinational paths lead to large propagation delays</a:t>
+            </a:r>
+          </a:p>
+          <a:p>
+            <a:r>
+              <a:rPr lang="en-US" dirty="0"/>
+              <a:t>Hard to build large systems without controlled timing boundaries</a:t>
+            </a:r>
+          </a:p>
+          <a:p>
+            <a:r>
+              <a:rPr lang="en-US" dirty="0"/>
+              <a:t>Glitches and hazards can propagate freely</a:t>
+            </a:r>
+          </a:p>
+          <a:p>
+            <a:r>
+              <a:rPr lang="en-US" dirty="0"/>
+              <a:t>No notion of “steps” or “cycles” — everything is continuous</a:t>
+            </a:r>
+          </a:p>
+          <a:p>
+            <a:endParaRPr lang="en-US" dirty="0"/>
+          </a:p>
+        </p:txBody>
+      </p:sp>
+      <p:sp>
+        <p:nvSpPr>
+          <p:cNvPr id="4" name="Slide Number Placeholder 3">
+            <a:extLst>
+              <a:ext uri="{FF2B5EF4-FFF2-40B4-BE49-F238E27FC236}">
+                <a16:creationId xmlns:a16="http://schemas.microsoft.com/office/drawing/2014/main" id="{333AA4B0-CBC0-DC73-9E26-F3484FB76140}"/>
+              </a:ext>
+            </a:extLst>
+          </p:cNvPr>
+          <p:cNvSpPr>
+            <a:spLocks noGrp="1"/>
+          </p:cNvSpPr>
+          <p:nvPr>
+            <p:ph type="sldNum" sz="quarter" idx="12"/>
+          </p:nvPr>
+        </p:nvSpPr>
+        <p:spPr/>
+        <p:txBody>
+          <a:bodyPr/>
+          <a:lstStyle/>
+          <a:p>
+            <a:fld id="{629637A9-119A-49DA-BD12-AAC58B377D80}" type="slidenum">
+              <a:rPr lang="en-US" smtClean="0"/>
+              <a:t>4</a:t>
+            </a:fld>
+            <a:endParaRPr lang="en-US" dirty="0"/>
+          </a:p>
+        </p:txBody>
+      </p:sp>
+    </p:spTree>
+    <p:extLst>
+      <p:ext uri="{BB962C8B-B14F-4D97-AF65-F5344CB8AC3E}">
+        <p14:creationId xmlns:p14="http://schemas.microsoft.com/office/powerpoint/2010/main" val="1363146465"/>
+      </p:ext>
+    </p:extLst>
+  </p:cSld>
+  <p:clrMapOvr>
+    <a:masterClrMapping/>
+  </p:clrMapOvr>
+</p:sld>
+</file>
+
+<file path=ppt/slides/slide40.xml><?xml version="1.0" encoding="utf-8"?>
 <p:sld xmlns:a="http://schemas.openxmlformats.org/drawingml/2006/main" xmlns:r="http://schemas.openxmlformats.org/officeDocument/2006/relationships" xmlns:p="http://schemas.openxmlformats.org/presentationml/2006/main">
   <p:cSld>
     <p:spTree>
@@ -20165,7 +20156,7 @@
           <a:p>
             <a:fld id="{629637A9-119A-49DA-BD12-AAC58B377D80}" type="slidenum">
               <a:rPr lang="en-US" smtClean="0"/>
-              <a:t>41</a:t>
+              <a:t>40</a:t>
             </a:fld>
             <a:endParaRPr lang="en-US" dirty="0"/>
           </a:p>
@@ -20214,7 +20205,7 @@
 </p:sld>
 </file>
 
-<file path=ppt/slides/slide42.xml><?xml version="1.0" encoding="utf-8"?>
+<file path=ppt/slides/slide41.xml><?xml version="1.0" encoding="utf-8"?>
 <p:sld xmlns:a="http://schemas.openxmlformats.org/drawingml/2006/main" xmlns:r="http://schemas.openxmlformats.org/officeDocument/2006/relationships" xmlns:p="http://schemas.openxmlformats.org/presentationml/2006/main">
   <p:cSld>
     <p:spTree>
@@ -20282,7 +20273,7 @@
           <a:p>
             <a:fld id="{629637A9-119A-49DA-BD12-AAC58B377D80}" type="slidenum">
               <a:rPr lang="en-US" smtClean="0"/>
-              <a:t>42</a:t>
+              <a:t>41</a:t>
             </a:fld>
             <a:endParaRPr lang="en-US" dirty="0"/>
           </a:p>
